--- a/06-SASS&LESS/06-SASS&LESS.pptx
+++ b/06-SASS&LESS/06-SASS&LESS.pptx
@@ -240,7 +240,7 @@
           <a:p>
             <a:fld id="{2E054F57-E93D-4CC3-8A27-2F256E70BB98}" type="datetimeFigureOut">
               <a:rPr lang="en-US" smtClean="0"/>
-              <a:t>5/22/2016</a:t>
+              <a:t>6/19/2016</a:t>
             </a:fld>
             <a:endParaRPr lang="en-US"/>
           </a:p>
@@ -689,7 +689,7 @@
           <a:p>
             <a:fld id="{3EA744D9-3FBE-48D8-BF2A-85DF203E4D20}" type="datetimeFigureOut">
               <a:rPr lang="bg-BG" smtClean="0"/>
-              <a:t>22.5.2016 г.</a:t>
+              <a:t>19.6.2016 г.</a:t>
             </a:fld>
             <a:endParaRPr lang="bg-BG"/>
           </a:p>
@@ -859,7 +859,7 @@
           <a:p>
             <a:fld id="{3EA744D9-3FBE-48D8-BF2A-85DF203E4D20}" type="datetimeFigureOut">
               <a:rPr lang="bg-BG" smtClean="0"/>
-              <a:t>22.5.2016 г.</a:t>
+              <a:t>19.6.2016 г.</a:t>
             </a:fld>
             <a:endParaRPr lang="bg-BG"/>
           </a:p>
@@ -1039,7 +1039,7 @@
           <a:p>
             <a:fld id="{3EA744D9-3FBE-48D8-BF2A-85DF203E4D20}" type="datetimeFigureOut">
               <a:rPr lang="bg-BG" smtClean="0"/>
-              <a:t>22.5.2016 г.</a:t>
+              <a:t>19.6.2016 г.</a:t>
             </a:fld>
             <a:endParaRPr lang="bg-BG"/>
           </a:p>
@@ -1209,7 +1209,7 @@
           <a:p>
             <a:fld id="{3EA744D9-3FBE-48D8-BF2A-85DF203E4D20}" type="datetimeFigureOut">
               <a:rPr lang="bg-BG" smtClean="0"/>
-              <a:t>22.5.2016 г.</a:t>
+              <a:t>19.6.2016 г.</a:t>
             </a:fld>
             <a:endParaRPr lang="bg-BG"/>
           </a:p>
@@ -1455,7 +1455,7 @@
           <a:p>
             <a:fld id="{3EA744D9-3FBE-48D8-BF2A-85DF203E4D20}" type="datetimeFigureOut">
               <a:rPr lang="bg-BG" smtClean="0"/>
-              <a:t>22.5.2016 г.</a:t>
+              <a:t>19.6.2016 г.</a:t>
             </a:fld>
             <a:endParaRPr lang="bg-BG"/>
           </a:p>
@@ -1743,7 +1743,7 @@
           <a:p>
             <a:fld id="{3EA744D9-3FBE-48D8-BF2A-85DF203E4D20}" type="datetimeFigureOut">
               <a:rPr lang="bg-BG" smtClean="0"/>
-              <a:t>22.5.2016 г.</a:t>
+              <a:t>19.6.2016 г.</a:t>
             </a:fld>
             <a:endParaRPr lang="bg-BG"/>
           </a:p>
@@ -2165,7 +2165,7 @@
           <a:p>
             <a:fld id="{3EA744D9-3FBE-48D8-BF2A-85DF203E4D20}" type="datetimeFigureOut">
               <a:rPr lang="bg-BG" smtClean="0"/>
-              <a:t>22.5.2016 г.</a:t>
+              <a:t>19.6.2016 г.</a:t>
             </a:fld>
             <a:endParaRPr lang="bg-BG"/>
           </a:p>
@@ -2283,7 +2283,7 @@
           <a:p>
             <a:fld id="{3EA744D9-3FBE-48D8-BF2A-85DF203E4D20}" type="datetimeFigureOut">
               <a:rPr lang="bg-BG" smtClean="0"/>
-              <a:t>22.5.2016 г.</a:t>
+              <a:t>19.6.2016 г.</a:t>
             </a:fld>
             <a:endParaRPr lang="bg-BG"/>
           </a:p>
@@ -2378,7 +2378,7 @@
           <a:p>
             <a:fld id="{3EA744D9-3FBE-48D8-BF2A-85DF203E4D20}" type="datetimeFigureOut">
               <a:rPr lang="bg-BG" smtClean="0"/>
-              <a:t>22.5.2016 г.</a:t>
+              <a:t>19.6.2016 г.</a:t>
             </a:fld>
             <a:endParaRPr lang="bg-BG"/>
           </a:p>
@@ -2655,7 +2655,7 @@
           <a:p>
             <a:fld id="{3EA744D9-3FBE-48D8-BF2A-85DF203E4D20}" type="datetimeFigureOut">
               <a:rPr lang="bg-BG" smtClean="0"/>
-              <a:t>22.5.2016 г.</a:t>
+              <a:t>19.6.2016 г.</a:t>
             </a:fld>
             <a:endParaRPr lang="bg-BG"/>
           </a:p>
@@ -2908,7 +2908,7 @@
           <a:p>
             <a:fld id="{3EA744D9-3FBE-48D8-BF2A-85DF203E4D20}" type="datetimeFigureOut">
               <a:rPr lang="bg-BG" smtClean="0"/>
-              <a:t>22.5.2016 г.</a:t>
+              <a:t>19.6.2016 г.</a:t>
             </a:fld>
             <a:endParaRPr lang="bg-BG"/>
           </a:p>
@@ -3130,7 +3130,7 @@
           <a:p>
             <a:fld id="{3EA744D9-3FBE-48D8-BF2A-85DF203E4D20}" type="datetimeFigureOut">
               <a:rPr lang="bg-BG" smtClean="0"/>
-              <a:t>22.5.2016 г.</a:t>
+              <a:t>19.6.2016 г.</a:t>
             </a:fld>
             <a:endParaRPr lang="bg-BG"/>
           </a:p>
@@ -6787,15 +6787,7 @@
                   <a:schemeClr val="accent6"/>
                 </a:solidFill>
               </a:rPr>
-              <a:t>LESS </a:t>
-            </a:r>
-            <a:r>
-              <a:rPr lang="en-US" dirty="0" smtClean="0">
-                <a:solidFill>
-                  <a:schemeClr val="accent6"/>
-                </a:solidFill>
-              </a:rPr>
-              <a:t>– </a:t>
+              <a:t>LESS – </a:t>
             </a:r>
             <a:r>
               <a:rPr lang="bg-BG" sz="3200" dirty="0" smtClean="0">
@@ -7063,15 +7055,7 @@
                   <a:schemeClr val="accent6"/>
                 </a:solidFill>
               </a:rPr>
-              <a:t>LESS </a:t>
-            </a:r>
-            <a:r>
-              <a:rPr lang="en-US" dirty="0" smtClean="0">
-                <a:solidFill>
-                  <a:schemeClr val="accent6"/>
-                </a:solidFill>
-              </a:rPr>
-              <a:t>– </a:t>
+              <a:t>LESS – </a:t>
             </a:r>
             <a:r>
               <a:rPr lang="bg-BG" sz="3200" dirty="0" smtClean="0">
@@ -8461,17 +8445,17 @@
                 <a:latin typeface="+mj-lt"/>
                 <a:cs typeface="Courier New" panose="02070309020205020404" pitchFamily="49" charset="0"/>
               </a:rPr>
-              <a:t> Спомагат </a:t>
-            </a:r>
-            <a:r>
-              <a:rPr lang="bg-BG" sz="3000" dirty="0" smtClean="0">
+              <a:t> Спомагат за писането на лесен за поддръжка код, като сериозно намаляват количеството на </a:t>
+            </a:r>
+            <a:r>
+              <a:rPr lang="en-US" sz="3000" dirty="0" smtClean="0">
                 <a:solidFill>
                   <a:schemeClr val="bg1"/>
                 </a:solidFill>
                 <a:latin typeface="+mj-lt"/>
                 <a:cs typeface="Courier New" panose="02070309020205020404" pitchFamily="49" charset="0"/>
               </a:rPr>
-              <a:t>за писането на лесен за </a:t>
+              <a:t>CSS </a:t>
             </a:r>
             <a:r>
               <a:rPr lang="bg-BG" sz="3000" dirty="0" smtClean="0">
@@ -8481,17 +8465,17 @@
                 <a:latin typeface="+mj-lt"/>
                 <a:cs typeface="Courier New" panose="02070309020205020404" pitchFamily="49" charset="0"/>
               </a:rPr>
-              <a:t>поддръжка </a:t>
-            </a:r>
-            <a:r>
-              <a:rPr lang="bg-BG" sz="3000" dirty="0" smtClean="0">
+              <a:t>декларациите. Най-голяма приложимост препроцесорите имат в големи</a:t>
+            </a:r>
+            <a:r>
+              <a:rPr lang="en-US" sz="3000" dirty="0" smtClean="0">
                 <a:solidFill>
                   <a:schemeClr val="bg1"/>
                 </a:solidFill>
                 <a:latin typeface="+mj-lt"/>
                 <a:cs typeface="Courier New" panose="02070309020205020404" pitchFamily="49" charset="0"/>
               </a:rPr>
-              <a:t>код, като сериозно </a:t>
+              <a:t> </a:t>
             </a:r>
             <a:r>
               <a:rPr lang="bg-BG" sz="3000" dirty="0" smtClean="0">
@@ -8501,77 +8485,17 @@
                 <a:latin typeface="+mj-lt"/>
                 <a:cs typeface="Courier New" panose="02070309020205020404" pitchFamily="49" charset="0"/>
               </a:rPr>
-              <a:t>намаляват </a:t>
-            </a:r>
-            <a:r>
-              <a:rPr lang="bg-BG" sz="3000" dirty="0" smtClean="0">
+              <a:t>потребителски интерфейси, които изискват огромни количества </a:t>
+            </a:r>
+            <a:r>
+              <a:rPr lang="en-US" sz="3000" dirty="0" smtClean="0">
                 <a:solidFill>
                   <a:schemeClr val="bg1"/>
                 </a:solidFill>
                 <a:latin typeface="+mj-lt"/>
                 <a:cs typeface="Courier New" panose="02070309020205020404" pitchFamily="49" charset="0"/>
               </a:rPr>
-              <a:t>количеството на </a:t>
-            </a:r>
-            <a:r>
-              <a:rPr lang="en-US" sz="3000" dirty="0" smtClean="0">
-                <a:solidFill>
-                  <a:schemeClr val="bg1"/>
-                </a:solidFill>
-                <a:latin typeface="+mj-lt"/>
-                <a:cs typeface="Courier New" panose="02070309020205020404" pitchFamily="49" charset="0"/>
-              </a:rPr>
-              <a:t>CSS </a:t>
-            </a:r>
-            <a:r>
-              <a:rPr lang="bg-BG" sz="3000" dirty="0" smtClean="0">
-                <a:solidFill>
-                  <a:schemeClr val="bg1"/>
-                </a:solidFill>
-                <a:latin typeface="+mj-lt"/>
-                <a:cs typeface="Courier New" panose="02070309020205020404" pitchFamily="49" charset="0"/>
-              </a:rPr>
-              <a:t>декларациите. Най-голяма приложимост препроцесорите имат в големи</a:t>
-            </a:r>
-            <a:r>
-              <a:rPr lang="en-US" sz="3000" dirty="0" smtClean="0">
-                <a:solidFill>
-                  <a:schemeClr val="bg1"/>
-                </a:solidFill>
-                <a:latin typeface="+mj-lt"/>
-                <a:cs typeface="Courier New" panose="02070309020205020404" pitchFamily="49" charset="0"/>
-              </a:rPr>
-              <a:t> </a:t>
-            </a:r>
-            <a:r>
-              <a:rPr lang="bg-BG" sz="3000" dirty="0" smtClean="0">
-                <a:solidFill>
-                  <a:schemeClr val="bg1"/>
-                </a:solidFill>
-                <a:latin typeface="+mj-lt"/>
-                <a:cs typeface="Courier New" panose="02070309020205020404" pitchFamily="49" charset="0"/>
-              </a:rPr>
-              <a:t>потребителски интерфейси, които изискват огромни количества </a:t>
-            </a:r>
-            <a:r>
-              <a:rPr lang="en-US" sz="3000" dirty="0" smtClean="0">
-                <a:solidFill>
-                  <a:schemeClr val="bg1"/>
-                </a:solidFill>
-                <a:latin typeface="+mj-lt"/>
-                <a:cs typeface="Courier New" panose="02070309020205020404" pitchFamily="49" charset="0"/>
-              </a:rPr>
-              <a:t>CSS</a:t>
-            </a:r>
-            <a:r>
-              <a:rPr lang="en-US" sz="3000" dirty="0" smtClean="0">
-                <a:solidFill>
-                  <a:schemeClr val="bg1"/>
-                </a:solidFill>
-                <a:latin typeface="+mj-lt"/>
-                <a:cs typeface="Courier New" panose="02070309020205020404" pitchFamily="49" charset="0"/>
-              </a:rPr>
-              <a:t>.</a:t>
+              <a:t>CSS.</a:t>
             </a:r>
           </a:p>
           <a:p>
@@ -8914,18 +8838,18 @@
           </a:bodyPr>
           <a:lstStyle/>
           <a:p>
-            <a:pPr marL="0" indent="0">
-              <a:buNone/>
+            <a:pPr marL="457200" indent="-457200">
+              <a:buAutoNum type="arabicPeriod"/>
             </a:pPr>
             <a:r>
-              <a:rPr lang="en-US" sz="2000" b="1" dirty="0" smtClean="0">
+              <a:rPr lang="bg-BG" sz="2000" b="1" dirty="0" smtClean="0">
                 <a:solidFill>
                   <a:schemeClr val="bg1">
                     <a:lumMod val="95000"/>
                   </a:schemeClr>
                 </a:solidFill>
               </a:rPr>
-              <a:t>1. </a:t>
+              <a:t>Да </a:t>
             </a:r>
             <a:r>
               <a:rPr lang="bg-BG" sz="2000" b="1" dirty="0" smtClean="0">
@@ -8935,57 +8859,57 @@
                   </a:schemeClr>
                 </a:solidFill>
               </a:rPr>
-              <a:t>Да се направи страница, подобна на </a:t>
-            </a:r>
-            <a:r>
-              <a:rPr lang="en-US" sz="2000" b="1" dirty="0" smtClean="0">
+              <a:t>се направи страница, подобна </a:t>
+            </a:r>
+            <a:r>
+              <a:rPr lang="bg-BG" sz="2000" b="1" dirty="0" smtClean="0">
                 <a:solidFill>
                   <a:schemeClr val="bg1">
                     <a:lumMod val="95000"/>
                   </a:schemeClr>
                 </a:solidFill>
               </a:rPr>
-              <a:t>04-CSS-Tasks\task6.png, </a:t>
-            </a:r>
-            <a:r>
-              <a:rPr lang="bg-BG" sz="2000" b="1" dirty="0" smtClean="0">
+              <a:t>на </a:t>
+            </a:r>
+            <a:r>
+              <a:rPr lang="en-US" sz="2000" b="1" dirty="0" smtClean="0">
                 <a:solidFill>
                   <a:schemeClr val="bg1">
                     <a:lumMod val="95000"/>
                   </a:schemeClr>
                 </a:solidFill>
               </a:rPr>
-              <a:t>като използвате </a:t>
-            </a:r>
-            <a:r>
-              <a:rPr lang="en-US" sz="2000" b="1" dirty="0" smtClean="0">
+              <a:t>06-SASS&amp;LESS-tasks\task1.PNG, </a:t>
+            </a:r>
+            <a:r>
+              <a:rPr lang="bg-BG" sz="2000" b="1" dirty="0" smtClean="0">
                 <a:solidFill>
                   <a:schemeClr val="bg1">
                     <a:lumMod val="95000"/>
                   </a:schemeClr>
                 </a:solidFill>
               </a:rPr>
-              <a:t>SASS </a:t>
-            </a:r>
-            <a:r>
-              <a:rPr lang="bg-BG" sz="2000" b="1" dirty="0" smtClean="0">
+              <a:t>като използвате </a:t>
+            </a:r>
+            <a:r>
+              <a:rPr lang="en-US" sz="2000" b="1" dirty="0" smtClean="0">
                 <a:solidFill>
                   <a:schemeClr val="bg1">
                     <a:lumMod val="95000"/>
                   </a:schemeClr>
                 </a:solidFill>
               </a:rPr>
-              <a:t>или</a:t>
-            </a:r>
-            <a:r>
-              <a:rPr lang="en-US" sz="2000" b="1" dirty="0" smtClean="0">
+              <a:t>SASS </a:t>
+            </a:r>
+            <a:r>
+              <a:rPr lang="bg-BG" sz="2000" b="1" dirty="0" smtClean="0">
                 <a:solidFill>
                   <a:schemeClr val="bg1">
                     <a:lumMod val="95000"/>
                   </a:schemeClr>
                 </a:solidFill>
               </a:rPr>
-              <a:t> LESS</a:t>
+              <a:t>или</a:t>
             </a:r>
             <a:r>
               <a:rPr lang="en-US" sz="2000" b="1" dirty="0" smtClean="0">
@@ -8995,7 +8919,52 @@
                   </a:schemeClr>
                 </a:solidFill>
               </a:rPr>
+              <a:t> LESS</a:t>
+            </a:r>
+            <a:r>
+              <a:rPr lang="en-US" sz="2000" b="1" dirty="0" smtClean="0">
+                <a:solidFill>
+                  <a:schemeClr val="bg1">
+                    <a:lumMod val="95000"/>
+                  </a:schemeClr>
+                </a:solidFill>
+              </a:rPr>
               <a:t>.</a:t>
+            </a:r>
+          </a:p>
+          <a:p>
+            <a:pPr marL="0" indent="0">
+              <a:buNone/>
+            </a:pPr>
+            <a:r>
+              <a:rPr lang="bg-BG" sz="2000" b="1" dirty="0" smtClean="0">
+                <a:solidFill>
+                  <a:schemeClr val="bg1">
+                    <a:lumMod val="95000"/>
+                  </a:schemeClr>
+                </a:solidFill>
+              </a:rPr>
+              <a:t>Може да изберете цветове по ваш избор. За улеснение съм сложила и папка с картинки, които може да използвате. Във файла </a:t>
+            </a:r>
+            <a:r>
+              <a:rPr lang="en-US" sz="2000" b="1" dirty="0" smtClean="0">
+                <a:solidFill>
+                  <a:schemeClr val="bg1">
+                    <a:lumMod val="95000"/>
+                  </a:schemeClr>
+                </a:solidFill>
+              </a:rPr>
+              <a:t>movies-info.txt </a:t>
+            </a:r>
+            <a:r>
+              <a:rPr lang="bg-BG" sz="2000" b="1" dirty="0" smtClean="0">
+                <a:solidFill>
+                  <a:schemeClr val="bg1">
+                    <a:lumMod val="95000"/>
+                  </a:schemeClr>
+                </a:solidFill>
+              </a:rPr>
+              <a:t>се намира и информация за филми, отново за да не се налага да търсите</a:t>
             </a:r>
             <a:endParaRPr lang="bg-BG" sz="2000" b="1" dirty="0">
               <a:solidFill>
@@ -10286,20 +10255,6 @@
               </a:rPr>
               <a:t>}</a:t>
             </a:r>
-            <a:endParaRPr lang="en-US" b="1" dirty="0">
-              <a:solidFill>
-                <a:srgbClr val="8CF4F2"/>
-              </a:solidFill>
-              <a:effectLst>
-                <a:outerShdw blurRad="38100" dist="38100" dir="2700000" algn="tl">
-                  <a:srgbClr val="000000">
-                    <a:alpha val="43137"/>
-                  </a:srgbClr>
-                </a:outerShdw>
-              </a:effectLst>
-              <a:latin typeface="Consolas" pitchFamily="49" charset="0"/>
-              <a:cs typeface="Consolas" pitchFamily="49" charset="0"/>
-            </a:endParaRPr>
           </a:p>
         </p:txBody>
       </p:sp>
@@ -10720,20 +10675,6 @@
               </a:rPr>
               <a:t>}</a:t>
             </a:r>
-            <a:endParaRPr lang="en-US" b="1" dirty="0">
-              <a:solidFill>
-                <a:srgbClr val="8CF4F2"/>
-              </a:solidFill>
-              <a:effectLst>
-                <a:outerShdw blurRad="38100" dist="38100" dir="2700000" algn="tl">
-                  <a:srgbClr val="000000">
-                    <a:alpha val="43137"/>
-                  </a:srgbClr>
-                </a:outerShdw>
-              </a:effectLst>
-              <a:latin typeface="Consolas" pitchFamily="49" charset="0"/>
-              <a:cs typeface="Consolas" pitchFamily="49" charset="0"/>
-            </a:endParaRPr>
           </a:p>
         </p:txBody>
       </p:sp>
@@ -11351,20 +11292,6 @@
               </a:rPr>
               <a:t>}</a:t>
             </a:r>
-            <a:endParaRPr lang="en-US" b="1" dirty="0">
-              <a:solidFill>
-                <a:srgbClr val="8CF4F2"/>
-              </a:solidFill>
-              <a:effectLst>
-                <a:outerShdw blurRad="38100" dist="38100" dir="2700000" algn="tl">
-                  <a:srgbClr val="000000">
-                    <a:alpha val="43137"/>
-                  </a:srgbClr>
-                </a:outerShdw>
-              </a:effectLst>
-              <a:latin typeface="Consolas" pitchFamily="49" charset="0"/>
-              <a:cs typeface="Consolas" pitchFamily="49" charset="0"/>
-            </a:endParaRPr>
           </a:p>
         </p:txBody>
       </p:sp>
@@ -11783,20 +11710,6 @@
               </a:rPr>
               <a:t>}</a:t>
             </a:r>
-            <a:endParaRPr lang="en-US" b="1" dirty="0">
-              <a:solidFill>
-                <a:srgbClr val="8CF4F2"/>
-              </a:solidFill>
-              <a:effectLst>
-                <a:outerShdw blurRad="38100" dist="38100" dir="2700000" algn="tl">
-                  <a:srgbClr val="000000">
-                    <a:alpha val="43137"/>
-                  </a:srgbClr>
-                </a:outerShdw>
-              </a:effectLst>
-              <a:latin typeface="Consolas" pitchFamily="49" charset="0"/>
-              <a:cs typeface="Consolas" pitchFamily="49" charset="0"/>
-            </a:endParaRPr>
           </a:p>
         </p:txBody>
       </p:sp>
@@ -12318,20 +12231,6 @@
               </a:rPr>
               <a:t>}</a:t>
             </a:r>
-            <a:endParaRPr lang="en-US" b="1" dirty="0">
-              <a:solidFill>
-                <a:srgbClr val="8CF4F2"/>
-              </a:solidFill>
-              <a:effectLst>
-                <a:outerShdw blurRad="38100" dist="38100" dir="2700000" algn="tl">
-                  <a:srgbClr val="000000">
-                    <a:alpha val="43137"/>
-                  </a:srgbClr>
-                </a:outerShdw>
-              </a:effectLst>
-              <a:latin typeface="Consolas" pitchFamily="49" charset="0"/>
-              <a:cs typeface="Consolas" pitchFamily="49" charset="0"/>
-            </a:endParaRPr>
           </a:p>
         </p:txBody>
       </p:sp>
@@ -13132,23 +13031,6 @@
               </a:rPr>
               <a:t>}</a:t>
             </a:r>
-            <a:endParaRPr lang="en-US" sz="2000" b="1" dirty="0">
-              <a:solidFill>
-                <a:schemeClr val="accent5">
-                  <a:lumMod val="60000"/>
-                  <a:lumOff val="40000"/>
-                </a:schemeClr>
-              </a:solidFill>
-              <a:effectLst>
-                <a:outerShdw blurRad="38100" dist="38100" dir="2700000" algn="tl">
-                  <a:srgbClr val="000000">
-                    <a:alpha val="43137"/>
-                  </a:srgbClr>
-                </a:outerShdw>
-              </a:effectLst>
-              <a:latin typeface="Consolas" pitchFamily="49" charset="0"/>
-              <a:cs typeface="Consolas" pitchFamily="49" charset="0"/>
-            </a:endParaRPr>
           </a:p>
         </p:txBody>
       </p:sp>
